--- a/1HUST-Theme-PPT/v3顶边白底16-9.pptx
+++ b/1HUST-Theme-PPT/v3顶边白底16-9.pptx
@@ -422,7 +422,7 @@
             </a:pPr>
             <a:fld id="{E4551058-E5DB-324A-A8E9-6D3BEF243C3B}" type="datetimeFigureOut">
               <a:rPr kumimoji="1" lang="zh-CN" altLang="en-US" smtClean="0"/>
-              <a:t>2026/1/18</a:t>
+              <a:t>2026/1/21</a:t>
             </a:fld>
             <a:endParaRPr kumimoji="1" lang="zh-CN" altLang="en-US"/>
           </a:p>
@@ -829,7 +829,7 @@
             </a:pPr>
             <a:fld id="{E4551058-E5DB-324A-A8E9-6D3BEF243C3B}" type="datetimeFigureOut">
               <a:rPr kumimoji="1" lang="zh-CN" altLang="en-US" smtClean="0"/>
-              <a:t>2026/1/18</a:t>
+              <a:t>2026/1/21</a:t>
             </a:fld>
             <a:endParaRPr kumimoji="1" lang="zh-CN" altLang="en-US"/>
           </a:p>
@@ -1116,7 +1116,7 @@
             </a:pPr>
             <a:fld id="{E4551058-E5DB-324A-A8E9-6D3BEF243C3B}" type="datetimeFigureOut">
               <a:rPr kumimoji="1" lang="zh-CN" altLang="en-US" smtClean="0"/>
-              <a:t>2026/1/18</a:t>
+              <a:t>2026/1/21</a:t>
             </a:fld>
             <a:endParaRPr kumimoji="1" lang="zh-CN" altLang="en-US"/>
           </a:p>
@@ -1518,7 +1518,7 @@
             </a:pPr>
             <a:fld id="{E4551058-E5DB-324A-A8E9-6D3BEF243C3B}" type="datetimeFigureOut">
               <a:rPr kumimoji="1" lang="zh-CN" altLang="en-US" smtClean="0"/>
-              <a:t>2026/1/18</a:t>
+              <a:t>2026/1/21</a:t>
             </a:fld>
             <a:endParaRPr kumimoji="1" lang="zh-CN" altLang="en-US"/>
           </a:p>
@@ -1755,7 +1755,7 @@
             </a:pPr>
             <a:fld id="{E4551058-E5DB-324A-A8E9-6D3BEF243C3B}" type="datetimeFigureOut">
               <a:rPr kumimoji="1" lang="zh-CN" altLang="en-US" smtClean="0"/>
-              <a:t>2026/1/18</a:t>
+              <a:t>2026/1/21</a:t>
             </a:fld>
             <a:endParaRPr kumimoji="1" lang="zh-CN" altLang="en-US"/>
           </a:p>
@@ -1987,7 +1987,7 @@
             </a:pPr>
             <a:fld id="{E4551058-E5DB-324A-A8E9-6D3BEF243C3B}" type="datetimeFigureOut">
               <a:rPr kumimoji="1" lang="zh-CN" altLang="en-US" smtClean="0"/>
-              <a:t>2026/1/18</a:t>
+              <a:t>2026/1/21</a:t>
             </a:fld>
             <a:endParaRPr kumimoji="1" lang="zh-CN" altLang="en-US"/>
           </a:p>
@@ -2567,7 +2567,7 @@
             </a:pPr>
             <a:fld id="{E4551058-E5DB-324A-A8E9-6D3BEF243C3B}" type="datetimeFigureOut">
               <a:rPr kumimoji="1" lang="zh-CN" altLang="en-US" smtClean="0"/>
-              <a:t>2026/1/18</a:t>
+              <a:t>2026/1/21</a:t>
             </a:fld>
             <a:endParaRPr kumimoji="1" lang="zh-CN" altLang="en-US" dirty="0"/>
           </a:p>
@@ -2951,7 +2951,7 @@
             </a:pPr>
             <a:fld id="{E4551058-E5DB-324A-A8E9-6D3BEF243C3B}" type="datetimeFigureOut">
               <a:rPr kumimoji="1" lang="zh-CN" altLang="en-US" smtClean="0"/>
-              <a:t>2026/1/18</a:t>
+              <a:t>2026/1/21</a:t>
             </a:fld>
             <a:endParaRPr kumimoji="1" lang="zh-CN" altLang="en-US"/>
           </a:p>
@@ -3466,7 +3466,7 @@
             </a:pPr>
             <a:fld id="{E4551058-E5DB-324A-A8E9-6D3BEF243C3B}" type="datetimeFigureOut">
               <a:rPr kumimoji="1" lang="zh-CN" altLang="en-US" smtClean="0"/>
-              <a:t>2026/1/18</a:t>
+              <a:t>2026/1/21</a:t>
             </a:fld>
             <a:endParaRPr kumimoji="1" lang="zh-CN" altLang="en-US"/>
           </a:p>
@@ -3637,7 +3637,7 @@
             </a:pPr>
             <a:fld id="{E4551058-E5DB-324A-A8E9-6D3BEF243C3B}" type="datetimeFigureOut">
               <a:rPr kumimoji="1" lang="zh-CN" altLang="en-US" smtClean="0"/>
-              <a:t>2026/1/18</a:t>
+              <a:t>2026/1/21</a:t>
             </a:fld>
             <a:endParaRPr kumimoji="1" lang="zh-CN" altLang="en-US"/>
           </a:p>
@@ -3808,7 +3808,7 @@
             </a:pPr>
             <a:fld id="{E4551058-E5DB-324A-A8E9-6D3BEF243C3B}" type="datetimeFigureOut">
               <a:rPr kumimoji="1" lang="zh-CN" altLang="en-US" smtClean="0"/>
-              <a:t>2026/1/18</a:t>
+              <a:t>2026/1/21</a:t>
             </a:fld>
             <a:endParaRPr kumimoji="1" lang="zh-CN" altLang="en-US"/>
           </a:p>
@@ -4348,7 +4348,7 @@
             </a:pPr>
             <a:fld id="{E4551058-E5DB-324A-A8E9-6D3BEF243C3B}" type="datetimeFigureOut">
               <a:rPr kumimoji="1" lang="zh-CN" altLang="en-US" smtClean="0"/>
-              <a:t>2026/1/18</a:t>
+              <a:t>2026/1/21</a:t>
             </a:fld>
             <a:endParaRPr kumimoji="1" lang="zh-CN" altLang="en-US" dirty="0"/>
           </a:p>
@@ -4701,7 +4701,7 @@
             </a:pPr>
             <a:fld id="{E4551058-E5DB-324A-A8E9-6D3BEF243C3B}" type="datetimeFigureOut">
               <a:rPr kumimoji="1" lang="zh-CN" altLang="en-US" smtClean="0"/>
-              <a:t>2026/1/18</a:t>
+              <a:t>2026/1/21</a:t>
             </a:fld>
             <a:endParaRPr kumimoji="1" lang="zh-CN" altLang="en-US"/>
           </a:p>
@@ -5366,7 +5366,7 @@
             <a:ext cx="10993549" cy="2123126"/>
           </a:xfrm>
           <a:ln>
-            <a:solidFill/>
+            <a:noFill/>
           </a:ln>
         </p:spPr>
         <p:txBody>
@@ -5437,7 +5437,7 @@
             <a:ext cx="10993547" cy="1340999"/>
           </a:xfrm>
           <a:ln>
-            <a:solidFill/>
+            <a:noFill/>
           </a:ln>
         </p:spPr>
         <p:txBody>
@@ -5572,7 +5572,7 @@
         </p:nvSpPr>
         <p:spPr>
           <a:ln>
-            <a:solidFill/>
+            <a:noFill/>
           </a:ln>
         </p:spPr>
         <p:txBody>
@@ -5611,7 +5611,7 @@
         </p:nvSpPr>
         <p:spPr>
           <a:ln>
-            <a:solidFill/>
+            <a:noFill/>
           </a:ln>
         </p:spPr>
         <p:txBody>
@@ -5728,7 +5728,7 @@
         </p:nvSpPr>
         <p:spPr>
           <a:ln>
-            <a:solidFill/>
+            <a:noFill/>
           </a:ln>
         </p:spPr>
         <p:txBody>
@@ -5907,7 +5907,7 @@
         </p:nvSpPr>
         <p:spPr>
           <a:ln>
-            <a:solidFill/>
+            <a:noFill/>
           </a:ln>
         </p:spPr>
         <p:txBody>
@@ -5982,7 +5982,7 @@
         </p:nvSpPr>
         <p:spPr>
           <a:ln>
-            <a:solidFill/>
+            <a:noFill/>
           </a:ln>
         </p:spPr>
         <p:txBody>
@@ -6022,7 +6022,7 @@
         </p:nvSpPr>
         <p:spPr>
           <a:ln>
-            <a:solidFill/>
+            <a:noFill/>
           </a:ln>
         </p:spPr>
         <p:txBody>
@@ -6135,7 +6135,7 @@
         </p:nvSpPr>
         <p:spPr>
           <a:ln>
-            <a:solidFill/>
+            <a:noFill/>
           </a:ln>
         </p:spPr>
         <p:txBody>
@@ -6175,7 +6175,7 @@
         </p:nvSpPr>
         <p:spPr>
           <a:ln>
-            <a:solidFill/>
+            <a:noFill/>
           </a:ln>
         </p:spPr>
         <p:txBody>
@@ -6330,7 +6330,7 @@
         </p:nvSpPr>
         <p:spPr>
           <a:ln>
-            <a:solidFill/>
+            <a:noFill/>
           </a:ln>
         </p:spPr>
         <p:txBody>
@@ -6405,7 +6405,7 @@
         </p:nvSpPr>
         <p:spPr>
           <a:ln>
-            <a:solidFill/>
+            <a:noFill/>
           </a:ln>
         </p:spPr>
         <p:txBody>
@@ -6444,7 +6444,7 @@
         </p:nvSpPr>
         <p:spPr>
           <a:ln>
-            <a:solidFill/>
+            <a:noFill/>
           </a:ln>
         </p:spPr>
         <p:txBody>
@@ -6519,7 +6519,7 @@
         </p:nvSpPr>
         <p:spPr>
           <a:ln>
-            <a:solidFill/>
+            <a:noFill/>
           </a:ln>
         </p:spPr>
         <p:txBody>
@@ -6558,7 +6558,7 @@
         </p:nvSpPr>
         <p:spPr>
           <a:ln>
-            <a:solidFill/>
+            <a:noFill/>
           </a:ln>
         </p:spPr>
         <p:txBody>
@@ -6640,7 +6640,7 @@
         </p:nvSpPr>
         <p:spPr>
           <a:ln>
-            <a:solidFill/>
+            <a:noFill/>
           </a:ln>
         </p:spPr>
         <p:txBody>
@@ -6679,7 +6679,7 @@
         </p:nvSpPr>
         <p:spPr>
           <a:ln>
-            <a:solidFill/>
+            <a:noFill/>
           </a:ln>
         </p:spPr>
         <p:txBody>
@@ -6768,7 +6768,7 @@
         </p:nvSpPr>
         <p:spPr>
           <a:ln>
-            <a:solidFill/>
+            <a:noFill/>
           </a:ln>
         </p:spPr>
         <p:txBody>
@@ -6807,7 +6807,7 @@
         </p:nvSpPr>
         <p:spPr>
           <a:ln>
-            <a:solidFill/>
+            <a:noFill/>
           </a:ln>
         </p:spPr>
         <p:txBody>
